--- a/Slides/08_Lecture.pptx
+++ b/Slides/08_Lecture.pptx
@@ -208,7 +208,7 @@
           <a:p>
             <a:fld id="{16136E8F-1965-6C44-A7B5-03BB9B497561}" type="datetimeFigureOut">
               <a:rPr lang="en-GB" smtClean="0"/>
-              <a:t>26/09/2017</a:t>
+              <a:t>07/11/2017</a:t>
             </a:fld>
             <a:endParaRPr lang="en-GB"/>
           </a:p>
@@ -607,7 +607,7 @@
           <a:p>
             <a:fld id="{C380D008-60B2-0246-B113-8E855462598C}" type="datetimeFigureOut">
               <a:rPr lang="en-GB" smtClean="0"/>
-              <a:t>26/09/2017</a:t>
+              <a:t>07/11/2017</a:t>
             </a:fld>
             <a:endParaRPr lang="en-GB"/>
           </a:p>
@@ -772,7 +772,7 @@
           <a:p>
             <a:fld id="{C380D008-60B2-0246-B113-8E855462598C}" type="datetimeFigureOut">
               <a:rPr lang="en-GB" smtClean="0"/>
-              <a:t>26/09/2017</a:t>
+              <a:t>07/11/2017</a:t>
             </a:fld>
             <a:endParaRPr lang="en-GB"/>
           </a:p>
@@ -947,7 +947,7 @@
           <a:p>
             <a:fld id="{C380D008-60B2-0246-B113-8E855462598C}" type="datetimeFigureOut">
               <a:rPr lang="en-GB" smtClean="0"/>
-              <a:t>26/09/2017</a:t>
+              <a:t>07/11/2017</a:t>
             </a:fld>
             <a:endParaRPr lang="en-GB"/>
           </a:p>
@@ -1112,7 +1112,7 @@
           <a:p>
             <a:fld id="{C380D008-60B2-0246-B113-8E855462598C}" type="datetimeFigureOut">
               <a:rPr lang="en-GB" smtClean="0"/>
-              <a:t>26/09/2017</a:t>
+              <a:t>07/11/2017</a:t>
             </a:fld>
             <a:endParaRPr lang="en-GB"/>
           </a:p>
@@ -1351,7 +1351,7 @@
           <a:p>
             <a:fld id="{C380D008-60B2-0246-B113-8E855462598C}" type="datetimeFigureOut">
               <a:rPr lang="en-GB" smtClean="0"/>
-              <a:t>26/09/2017</a:t>
+              <a:t>07/11/2017</a:t>
             </a:fld>
             <a:endParaRPr lang="en-GB"/>
           </a:p>
@@ -1578,7 +1578,7 @@
           <a:p>
             <a:fld id="{C380D008-60B2-0246-B113-8E855462598C}" type="datetimeFigureOut">
               <a:rPr lang="en-GB" smtClean="0"/>
-              <a:t>26/09/2017</a:t>
+              <a:t>07/11/2017</a:t>
             </a:fld>
             <a:endParaRPr lang="en-GB"/>
           </a:p>
@@ -1940,7 +1940,7 @@
           <a:p>
             <a:fld id="{C380D008-60B2-0246-B113-8E855462598C}" type="datetimeFigureOut">
               <a:rPr lang="en-GB" smtClean="0"/>
-              <a:t>26/09/2017</a:t>
+              <a:t>07/11/2017</a:t>
             </a:fld>
             <a:endParaRPr lang="en-GB"/>
           </a:p>
@@ -2053,7 +2053,7 @@
           <a:p>
             <a:fld id="{C380D008-60B2-0246-B113-8E855462598C}" type="datetimeFigureOut">
               <a:rPr lang="en-GB" smtClean="0"/>
-              <a:t>26/09/2017</a:t>
+              <a:t>07/11/2017</a:t>
             </a:fld>
             <a:endParaRPr lang="en-GB"/>
           </a:p>
@@ -2143,7 +2143,7 @@
           <a:p>
             <a:fld id="{C380D008-60B2-0246-B113-8E855462598C}" type="datetimeFigureOut">
               <a:rPr lang="en-GB" smtClean="0"/>
-              <a:t>26/09/2017</a:t>
+              <a:t>07/11/2017</a:t>
             </a:fld>
             <a:endParaRPr lang="en-GB"/>
           </a:p>
@@ -2415,7 +2415,7 @@
           <a:p>
             <a:fld id="{C380D008-60B2-0246-B113-8E855462598C}" type="datetimeFigureOut">
               <a:rPr lang="en-GB" smtClean="0"/>
-              <a:t>26/09/2017</a:t>
+              <a:t>07/11/2017</a:t>
             </a:fld>
             <a:endParaRPr lang="en-GB"/>
           </a:p>
@@ -2667,7 +2667,7 @@
           <a:p>
             <a:fld id="{C380D008-60B2-0246-B113-8E855462598C}" type="datetimeFigureOut">
               <a:rPr lang="en-GB" smtClean="0"/>
-              <a:t>26/09/2017</a:t>
+              <a:t>07/11/2017</a:t>
             </a:fld>
             <a:endParaRPr lang="en-GB"/>
           </a:p>
@@ -2875,7 +2875,7 @@
           <a:p>
             <a:fld id="{C380D008-60B2-0246-B113-8E855462598C}" type="datetimeFigureOut">
               <a:rPr lang="en-GB" smtClean="0"/>
-              <a:t>26/09/2017</a:t>
+              <a:t>07/11/2017</a:t>
             </a:fld>
             <a:endParaRPr lang="en-GB"/>
           </a:p>
@@ -3527,7 +3527,7 @@
             </a:pPr>
             <a:r>
               <a:rPr lang="en-GB" dirty="0" smtClean="0"/>
-              <a:t>Alex D Singleton, Seth E </a:t>
+              <a:t>Alex D. Singleton, Seth E. </a:t>
             </a:r>
             <a:r>
               <a:rPr lang="en-GB" dirty="0" err="1" smtClean="0"/>
@@ -3535,7 +3535,7 @@
             </a:r>
             <a:r>
               <a:rPr lang="en-GB" dirty="0" smtClean="0"/>
-              <a:t>, David C </a:t>
+              <a:t>, David C. </a:t>
             </a:r>
             <a:r>
               <a:rPr lang="en-GB" dirty="0" err="1" smtClean="0"/>
@@ -3543,7 +3543,15 @@
             </a:r>
             <a:r>
               <a:rPr lang="en-GB" dirty="0" smtClean="0"/>
-              <a:t> (2017) Urban Analytics. London: Sage.</a:t>
+              <a:t> (2017) </a:t>
+            </a:r>
+            <a:r>
+              <a:rPr lang="en-GB" i="1" dirty="0" smtClean="0"/>
+              <a:t>Urban Analytics</a:t>
+            </a:r>
+            <a:r>
+              <a:rPr lang="en-GB" dirty="0" smtClean="0"/>
+              <a:t>. London: Sage.</a:t>
             </a:r>
             <a:endParaRPr lang="en-GB" dirty="0"/>
           </a:p>
@@ -3758,15 +3766,15 @@
             </a:r>
             <a:r>
               <a:rPr lang="en-GB" sz="1400" dirty="0"/>
-              <a:t>area cartogram representation of the </a:t>
-            </a:r>
-            <a:r>
-              <a:rPr lang="en-GB" sz="1400" dirty="0" err="1"/>
-              <a:t>iMD</a:t>
+              <a:t>area cartogram representation of the I</a:t>
+            </a:r>
+            <a:r>
+              <a:rPr lang="en-GB" sz="1400" dirty="0" smtClean="0"/>
+              <a:t>MD </a:t>
             </a:r>
             <a:r>
               <a:rPr lang="en-GB" sz="1400" dirty="0"/>
-              <a:t> for </a:t>
+              <a:t>for </a:t>
             </a:r>
             <a:r>
               <a:rPr lang="en-GB" sz="1400" dirty="0" smtClean="0"/>
@@ -3779,8 +3787,44 @@
           </a:p>
           <a:p>
             <a:r>
+              <a:rPr lang="en-GB" sz="1400" i="1" dirty="0"/>
+              <a:t>Source</a:t>
+            </a:r>
+            <a:r>
               <a:rPr lang="en-GB" sz="1400" dirty="0"/>
-              <a:t>Source: authors’ own; data – Department for communities and local Government (2015); Office for national Statistics (2011) </a:t>
+              <a:t>: </a:t>
+            </a:r>
+            <a:r>
+              <a:rPr lang="en-GB" sz="1400" dirty="0" smtClean="0"/>
+              <a:t>Authors</a:t>
+            </a:r>
+            <a:r>
+              <a:rPr lang="en-GB" sz="1400" dirty="0"/>
+              <a:t>’ own; data – Department for </a:t>
+            </a:r>
+            <a:r>
+              <a:rPr lang="en-GB" sz="1400" dirty="0" smtClean="0"/>
+              <a:t>Communities </a:t>
+            </a:r>
+            <a:r>
+              <a:rPr lang="en-GB" sz="1400" dirty="0"/>
+              <a:t>and </a:t>
+            </a:r>
+            <a:r>
+              <a:rPr lang="en-GB" sz="1400" dirty="0" smtClean="0"/>
+              <a:t>Local </a:t>
+            </a:r>
+            <a:r>
+              <a:rPr lang="en-GB" sz="1400" dirty="0"/>
+              <a:t>Government (2015); Office for </a:t>
+            </a:r>
+            <a:r>
+              <a:rPr lang="en-GB" sz="1400" dirty="0" smtClean="0"/>
+              <a:t>National </a:t>
+            </a:r>
+            <a:r>
+              <a:rPr lang="en-GB" sz="1400" dirty="0"/>
+              <a:t>Statistics (2011) </a:t>
             </a:r>
           </a:p>
         </p:txBody>
@@ -3939,7 +3983,15 @@
           <a:p>
             <a:r>
               <a:rPr lang="en-GB" sz="1400" dirty="0"/>
-              <a:t>Scaled symbols used to indicate the relationship between the total numbers of recorded crimes in august 2016 and the </a:t>
+              <a:t>Scaled symbols used to indicate the relationship between the total numbers of recorded crimes in </a:t>
+            </a:r>
+            <a:r>
+              <a:rPr lang="en-GB" sz="1400" dirty="0" smtClean="0"/>
+              <a:t>August </a:t>
+            </a:r>
+            <a:r>
+              <a:rPr lang="en-GB" sz="1400" dirty="0"/>
+              <a:t>2016 and the </a:t>
             </a:r>
             <a:r>
               <a:rPr lang="en-GB" sz="1400" dirty="0" smtClean="0"/>
@@ -3947,21 +3999,54 @@
             </a:r>
             <a:r>
               <a:rPr lang="en-GB" sz="1400" dirty="0"/>
-              <a:t>. larger circles equate to more crimes </a:t>
-            </a:r>
-          </a:p>
-          <a:p>
+              <a:t>. </a:t>
+            </a:r>
+            <a:r>
+              <a:rPr lang="en-GB" sz="1400" dirty="0" smtClean="0"/>
+              <a:t>Larger </a:t>
+            </a:r>
             <a:r>
               <a:rPr lang="en-GB" sz="1400" dirty="0"/>
-              <a:t>Source: authors’ own; data – </a:t>
-            </a:r>
-            <a:r>
-              <a:rPr lang="en-GB" sz="1400" dirty="0" err="1"/>
-              <a:t>Police.uk</a:t>
+              <a:t>circles equate to more </a:t>
+            </a:r>
+            <a:r>
+              <a:rPr lang="en-GB" sz="1400" dirty="0" smtClean="0"/>
+              <a:t>crimes.</a:t>
+            </a:r>
+            <a:endParaRPr lang="en-GB" sz="1400" dirty="0"/>
+          </a:p>
+          <a:p>
+            <a:r>
+              <a:rPr lang="en-GB" sz="1400" i="1" dirty="0"/>
+              <a:t>Source</a:t>
             </a:r>
             <a:r>
               <a:rPr lang="en-GB" sz="1400" dirty="0"/>
-              <a:t> (2016 data); Department for communities and local Government (2015) </a:t>
+              <a:t>: </a:t>
+            </a:r>
+            <a:r>
+              <a:rPr lang="en-GB" sz="1400" dirty="0" smtClean="0"/>
+              <a:t>Authors</a:t>
+            </a:r>
+            <a:r>
+              <a:rPr lang="en-GB" sz="1400" dirty="0"/>
+              <a:t>’ own; data – Police.uk (2016 data); Department for </a:t>
+            </a:r>
+            <a:r>
+              <a:rPr lang="en-GB" sz="1400" dirty="0" smtClean="0"/>
+              <a:t>Communities </a:t>
+            </a:r>
+            <a:r>
+              <a:rPr lang="en-GB" sz="1400" dirty="0"/>
+              <a:t>and </a:t>
+            </a:r>
+            <a:r>
+              <a:rPr lang="en-GB" sz="1400" dirty="0" smtClean="0"/>
+              <a:t>Local </a:t>
+            </a:r>
+            <a:r>
+              <a:rPr lang="en-GB" sz="1400" dirty="0"/>
+              <a:t>Government (2015) </a:t>
             </a:r>
           </a:p>
         </p:txBody>
@@ -4012,8 +4097,8 @@
           <a:lstStyle/>
           <a:p>
             <a:r>
-              <a:rPr lang="en-GB" dirty="0" smtClean="0"/>
-              <a:t>Conclusion</a:t>
+              <a:rPr lang="en-GB" smtClean="0"/>
+              <a:t>Conclusions</a:t>
             </a:r>
             <a:endParaRPr lang="en-GB" dirty="0"/>
           </a:p>
@@ -4042,17 +4127,21 @@
           <a:p>
             <a:r>
               <a:rPr lang="en-GB" dirty="0" smtClean="0"/>
-              <a:t>All have advantages / disadvantages</a:t>
+              <a:t>All have advantages/disadvantages</a:t>
             </a:r>
           </a:p>
           <a:p>
             <a:r>
               <a:rPr lang="en-GB" dirty="0" smtClean="0"/>
-              <a:t>Choice depends greatly on the type of data and the message that one wishes to convey / </a:t>
+              <a:t>Choice depends greatly on the type of data and the message that one wishes </a:t>
             </a:r>
             <a:r>
               <a:rPr lang="en-GB" smtClean="0"/>
-              <a:t>intended audience</a:t>
+              <a:t>to convey/intended </a:t>
+            </a:r>
+            <a:r>
+              <a:rPr lang="en-GB" dirty="0" smtClean="0"/>
+              <a:t>audience</a:t>
             </a:r>
             <a:endParaRPr lang="en-GB" dirty="0"/>
           </a:p>
@@ -4132,7 +4221,7 @@
             </a:r>
             <a:r>
               <a:rPr lang="en-US" dirty="0" smtClean="0"/>
-              <a:t>data</a:t>
+              <a:t>data.</a:t>
             </a:r>
           </a:p>
           <a:p>
@@ -4154,14 +4243,14 @@
             </a:r>
             <a:r>
               <a:rPr lang="en-US" dirty="0" smtClean="0"/>
-              <a:t>technique</a:t>
+              <a:t>technique.</a:t>
             </a:r>
             <a:endParaRPr lang="en-US" dirty="0"/>
           </a:p>
           <a:p>
             <a:r>
               <a:rPr lang="en-US" dirty="0" smtClean="0"/>
-              <a:t>An understanding of those main types of geographic visualization</a:t>
+              <a:t>An understanding of those main types of geographic visualization.</a:t>
             </a:r>
             <a:endParaRPr lang="en-US" dirty="0"/>
           </a:p>
@@ -4500,11 +4589,11 @@
           </a:p>
           <a:p>
             <a:r>
-              <a:rPr lang="en-US" u="sng" dirty="0" smtClean="0"/>
+              <a:rPr lang="en-US" b="1" dirty="0" smtClean="0"/>
               <a:t>Aim: show </a:t>
             </a:r>
             <a:r>
-              <a:rPr lang="en-US" u="sng" dirty="0"/>
+              <a:rPr lang="en-US" b="1" dirty="0"/>
               <a:t>geographic patterns in the distribution of the variable being mapped </a:t>
             </a:r>
           </a:p>
@@ -4725,8 +4814,36 @@
           </a:p>
           <a:p>
             <a:r>
+              <a:rPr lang="en-GB" sz="1400" i="1" dirty="0"/>
+              <a:t>Source</a:t>
+            </a:r>
+            <a:r>
               <a:rPr lang="en-GB" sz="1400" dirty="0"/>
-              <a:t>Source: authors’ own; data – Department for communities and local Government (2015) </a:t>
+              <a:t>: </a:t>
+            </a:r>
+            <a:r>
+              <a:rPr lang="en-GB" sz="1400" dirty="0" smtClean="0"/>
+              <a:t>Authors</a:t>
+            </a:r>
+            <a:r>
+              <a:rPr lang="en-GB" sz="1400" dirty="0"/>
+              <a:t>’ own; data – Department for </a:t>
+            </a:r>
+            <a:r>
+              <a:rPr lang="en-GB" sz="1400" dirty="0" smtClean="0"/>
+              <a:t>Communities </a:t>
+            </a:r>
+            <a:r>
+              <a:rPr lang="en-GB" sz="1400" dirty="0"/>
+              <a:t>and </a:t>
+            </a:r>
+            <a:r>
+              <a:rPr lang="en-GB" sz="1400" dirty="0" smtClean="0"/>
+              <a:t>Local </a:t>
+            </a:r>
+            <a:r>
+              <a:rPr lang="en-GB" sz="1400" dirty="0"/>
+              <a:t>Government (2015) </a:t>
             </a:r>
           </a:p>
         </p:txBody>
@@ -4972,7 +5089,15 @@
           <a:p>
             <a:r>
               <a:rPr lang="en-GB" sz="1400" dirty="0"/>
-              <a:t>The aggregate ow of commuters in </a:t>
+              <a:t>The aggregate </a:t>
+            </a:r>
+            <a:r>
+              <a:rPr lang="en-GB" sz="1400" dirty="0" smtClean="0"/>
+              <a:t>flow </a:t>
+            </a:r>
+            <a:r>
+              <a:rPr lang="en-GB" sz="1400" dirty="0"/>
+              <a:t>of commuters in </a:t>
             </a:r>
             <a:r>
               <a:rPr lang="en-GB" sz="1400" dirty="0" smtClean="0"/>
@@ -4990,8 +5115,28 @@
           </a:p>
           <a:p>
             <a:r>
+              <a:rPr lang="en-GB" sz="1400" i="1" dirty="0"/>
+              <a:t>Source</a:t>
+            </a:r>
+            <a:r>
               <a:rPr lang="en-GB" sz="1400" dirty="0"/>
-              <a:t>Source: authors’ own; data – Office for national Statistics (2011) </a:t>
+              <a:t>: </a:t>
+            </a:r>
+            <a:r>
+              <a:rPr lang="en-GB" sz="1400" dirty="0" smtClean="0"/>
+              <a:t>Authors</a:t>
+            </a:r>
+            <a:r>
+              <a:rPr lang="en-GB" sz="1400" dirty="0"/>
+              <a:t>’ own; data – Office for </a:t>
+            </a:r>
+            <a:r>
+              <a:rPr lang="en-GB" sz="1400" dirty="0" smtClean="0"/>
+              <a:t>National </a:t>
+            </a:r>
+            <a:r>
+              <a:rPr lang="en-GB" sz="1400" dirty="0"/>
+              <a:t>Statistics (2011) </a:t>
             </a:r>
           </a:p>
         </p:txBody>
@@ -5220,7 +5365,15 @@
             </a:r>
             <a:r>
               <a:rPr lang="en-GB" sz="1400" dirty="0"/>
-              <a:t>showing the mixing and density of people declaring themselves as being of white (yellow), </a:t>
+              <a:t>showing the mixing and density of people declaring themselves as being of </a:t>
+            </a:r>
+            <a:r>
+              <a:rPr lang="en-GB" sz="1400" dirty="0" smtClean="0"/>
+              <a:t>White </a:t>
+            </a:r>
+            <a:r>
+              <a:rPr lang="en-GB" sz="1400" dirty="0"/>
+              <a:t>(yellow), </a:t>
             </a:r>
             <a:r>
               <a:rPr lang="en-GB" sz="1400" dirty="0" smtClean="0"/>
@@ -5228,13 +5381,25 @@
             </a:r>
             <a:r>
               <a:rPr lang="en-GB" sz="1400" dirty="0"/>
-              <a:t>(red), or black (blue) ethnic groups </a:t>
-            </a:r>
-          </a:p>
-          <a:p>
+              <a:t>(red), or </a:t>
+            </a:r>
+            <a:r>
+              <a:rPr lang="en-GB" sz="1400" dirty="0" smtClean="0"/>
+              <a:t>Black </a:t>
+            </a:r>
             <a:r>
               <a:rPr lang="en-GB" sz="1400" dirty="0"/>
-              <a:t>Source: </a:t>
+              <a:t>(blue) ethnic groups </a:t>
+            </a:r>
+          </a:p>
+          <a:p>
+            <a:r>
+              <a:rPr lang="en-GB" sz="1400" i="1" dirty="0"/>
+              <a:t>Source</a:t>
+            </a:r>
+            <a:r>
+              <a:rPr lang="en-GB" sz="1400" dirty="0"/>
+              <a:t>: </a:t>
             </a:r>
             <a:r>
               <a:rPr lang="en-GB" sz="1400" dirty="0" smtClean="0"/>
@@ -5242,7 +5407,15 @@
             </a:r>
             <a:r>
               <a:rPr lang="en-GB" sz="1400" dirty="0"/>
-              <a:t>– Office for national Statistics (2011) </a:t>
+              <a:t>– Office for </a:t>
+            </a:r>
+            <a:r>
+              <a:rPr lang="en-GB" sz="1400" dirty="0" smtClean="0"/>
+              <a:t>National </a:t>
+            </a:r>
+            <a:r>
+              <a:rPr lang="en-GB" sz="1400" dirty="0"/>
+              <a:t>Statistics (2011) </a:t>
             </a:r>
           </a:p>
         </p:txBody>
@@ -5345,8 +5518,12 @@
           <a:p>
             <a:pPr lvl="1"/>
             <a:r>
+              <a:rPr lang="en-GB" dirty="0"/>
+              <a:t>e</a:t>
+            </a:r>
+            <a:r>
               <a:rPr lang="en-GB" dirty="0" smtClean="0"/>
-              <a:t>E.g. KDE</a:t>
+              <a:t>.g. KDE</a:t>
             </a:r>
           </a:p>
           <a:p>
@@ -5411,7 +5588,7 @@
         <p:spPr>
           <a:xfrm>
             <a:off x="4944533" y="5202700"/>
-            <a:ext cx="4368799" cy="1169551"/>
+            <a:ext cx="4368799" cy="738664"/>
           </a:xfrm>
           <a:prstGeom prst="rect">
             <a:avLst/>
@@ -5424,24 +5601,16 @@
           <a:lstStyle/>
           <a:p>
             <a:r>
-              <a:rPr lang="en-GB" sz="1400" smtClean="0"/>
+              <a:rPr lang="en-GB" sz="1400" dirty="0" smtClean="0"/>
               <a:t>A </a:t>
             </a:r>
             <a:r>
               <a:rPr lang="en-GB" sz="1400" dirty="0"/>
-              <a:t>heat map representation of the location of crimes </a:t>
-            </a:r>
-            <a:r>
-              <a:rPr lang="en-GB" sz="1400"/>
-              <a:t>within </a:t>
-            </a:r>
-            <a:r>
-              <a:rPr lang="en-GB" sz="1400" dirty="0" err="1" smtClean="0"/>
-              <a:t>L</a:t>
-            </a:r>
-            <a:r>
-              <a:rPr lang="en-GB" sz="1400" smtClean="0"/>
-              <a:t>eeds</a:t>
+              <a:t>heat map representation of the location of crimes within </a:t>
+            </a:r>
+            <a:r>
+              <a:rPr lang="en-GB" sz="1400" dirty="0" smtClean="0"/>
+              <a:t>Leeds</a:t>
             </a:r>
             <a:r>
               <a:rPr lang="en-GB" sz="1400" dirty="0"/>
@@ -5451,15 +5620,34 @@
               <a:rPr lang="en-GB" sz="1400" dirty="0"/>
             </a:br>
             <a:r>
+              <a:rPr lang="en-GB" sz="1400" i="1" dirty="0"/>
+              <a:t>Source</a:t>
+            </a:r>
+            <a:r>
               <a:rPr lang="en-GB" sz="1400" dirty="0"/>
-              <a:t>Source: authors’ own; data – Department for communities and local Government (2015); Office for </a:t>
-            </a:r>
-          </a:p>
-          <a:p>
+              <a:t>: </a:t>
+            </a:r>
+            <a:r>
+              <a:rPr lang="en-GB" sz="1400" dirty="0" smtClean="0"/>
+              <a:t>Authors</a:t>
+            </a:r>
             <a:r>
               <a:rPr lang="en-GB" sz="1400" dirty="0"/>
-              <a:t>national Statistics (2011) </a:t>
-            </a:r>
+              <a:t>’ own; data </a:t>
+            </a:r>
+            <a:r>
+              <a:rPr lang="en-GB" sz="1400" dirty="0" smtClean="0"/>
+              <a:t>– </a:t>
+            </a:r>
+            <a:r>
+              <a:rPr lang="en-GB" sz="1400" dirty="0" err="1" smtClean="0"/>
+              <a:t>Police.uk</a:t>
+            </a:r>
+            <a:endParaRPr lang="en-GB" sz="1400" strike="sngStrike" dirty="0">
+              <a:solidFill>
+                <a:srgbClr val="FF0000"/>
+              </a:solidFill>
+            </a:endParaRPr>
           </a:p>
         </p:txBody>
       </p:sp>
